--- a/IROS17/pictures/pdf/driftmove2.pptx
+++ b/IROS17/pictures/pdf/driftmove2.pptx
@@ -288,7 +288,7 @@
           <a:p>
             <a:fld id="{2ECC5DDF-89BA-FF4F-A8D3-F81D48191EB2}" type="datetimeFigureOut">
               <a:rPr lang="en-US" smtClean="0"/>
-              <a:t>2/20/17</a:t>
+              <a:t>2/24/17</a:t>
             </a:fld>
             <a:endParaRPr lang="en-US"/>
           </a:p>
@@ -458,7 +458,7 @@
           <a:p>
             <a:fld id="{2ECC5DDF-89BA-FF4F-A8D3-F81D48191EB2}" type="datetimeFigureOut">
               <a:rPr lang="en-US" smtClean="0"/>
-              <a:t>2/20/17</a:t>
+              <a:t>2/24/17</a:t>
             </a:fld>
             <a:endParaRPr lang="en-US"/>
           </a:p>
@@ -638,7 +638,7 @@
           <a:p>
             <a:fld id="{2ECC5DDF-89BA-FF4F-A8D3-F81D48191EB2}" type="datetimeFigureOut">
               <a:rPr lang="en-US" smtClean="0"/>
-              <a:t>2/20/17</a:t>
+              <a:t>2/24/17</a:t>
             </a:fld>
             <a:endParaRPr lang="en-US"/>
           </a:p>
@@ -808,7 +808,7 @@
           <a:p>
             <a:fld id="{2ECC5DDF-89BA-FF4F-A8D3-F81D48191EB2}" type="datetimeFigureOut">
               <a:rPr lang="en-US" smtClean="0"/>
-              <a:t>2/20/17</a:t>
+              <a:t>2/24/17</a:t>
             </a:fld>
             <a:endParaRPr lang="en-US"/>
           </a:p>
@@ -1054,7 +1054,7 @@
           <a:p>
             <a:fld id="{2ECC5DDF-89BA-FF4F-A8D3-F81D48191EB2}" type="datetimeFigureOut">
               <a:rPr lang="en-US" smtClean="0"/>
-              <a:t>2/20/17</a:t>
+              <a:t>2/24/17</a:t>
             </a:fld>
             <a:endParaRPr lang="en-US"/>
           </a:p>
@@ -1342,7 +1342,7 @@
           <a:p>
             <a:fld id="{2ECC5DDF-89BA-FF4F-A8D3-F81D48191EB2}" type="datetimeFigureOut">
               <a:rPr lang="en-US" smtClean="0"/>
-              <a:t>2/20/17</a:t>
+              <a:t>2/24/17</a:t>
             </a:fld>
             <a:endParaRPr lang="en-US"/>
           </a:p>
@@ -1764,7 +1764,7 @@
           <a:p>
             <a:fld id="{2ECC5DDF-89BA-FF4F-A8D3-F81D48191EB2}" type="datetimeFigureOut">
               <a:rPr lang="en-US" smtClean="0"/>
-              <a:t>2/20/17</a:t>
+              <a:t>2/24/17</a:t>
             </a:fld>
             <a:endParaRPr lang="en-US"/>
           </a:p>
@@ -1882,7 +1882,7 @@
           <a:p>
             <a:fld id="{2ECC5DDF-89BA-FF4F-A8D3-F81D48191EB2}" type="datetimeFigureOut">
               <a:rPr lang="en-US" smtClean="0"/>
-              <a:t>2/20/17</a:t>
+              <a:t>2/24/17</a:t>
             </a:fld>
             <a:endParaRPr lang="en-US"/>
           </a:p>
@@ -1977,7 +1977,7 @@
           <a:p>
             <a:fld id="{2ECC5DDF-89BA-FF4F-A8D3-F81D48191EB2}" type="datetimeFigureOut">
               <a:rPr lang="en-US" smtClean="0"/>
-              <a:t>2/20/17</a:t>
+              <a:t>2/24/17</a:t>
             </a:fld>
             <a:endParaRPr lang="en-US"/>
           </a:p>
@@ -2254,7 +2254,7 @@
           <a:p>
             <a:fld id="{2ECC5DDF-89BA-FF4F-A8D3-F81D48191EB2}" type="datetimeFigureOut">
               <a:rPr lang="en-US" smtClean="0"/>
-              <a:t>2/20/17</a:t>
+              <a:t>2/24/17</a:t>
             </a:fld>
             <a:endParaRPr lang="en-US"/>
           </a:p>
@@ -2507,7 +2507,7 @@
           <a:p>
             <a:fld id="{2ECC5DDF-89BA-FF4F-A8D3-F81D48191EB2}" type="datetimeFigureOut">
               <a:rPr lang="en-US" smtClean="0"/>
-              <a:t>2/20/17</a:t>
+              <a:t>2/24/17</a:t>
             </a:fld>
             <a:endParaRPr lang="en-US"/>
           </a:p>
@@ -2720,7 +2720,7 @@
           <a:p>
             <a:fld id="{2ECC5DDF-89BA-FF4F-A8D3-F81D48191EB2}" type="datetimeFigureOut">
               <a:rPr lang="en-US" smtClean="0"/>
-              <a:t>2/20/17</a:t>
+              <a:t>2/24/17</a:t>
             </a:fld>
             <a:endParaRPr lang="en-US"/>
           </a:p>
@@ -3095,6 +3095,52 @@
           <a:chExt cx="0" cy="0"/>
         </a:xfrm>
       </p:grpSpPr>
+      <p:sp>
+        <p:nvSpPr>
+          <p:cNvPr id="30" name="Oval 29"/>
+          <p:cNvSpPr>
+            <a:spLocks noChangeAspect="1"/>
+          </p:cNvSpPr>
+          <p:nvPr/>
+        </p:nvSpPr>
+        <p:spPr>
+          <a:xfrm>
+            <a:off x="8496787" y="1196074"/>
+            <a:ext cx="547910" cy="548640"/>
+          </a:xfrm>
+          <a:prstGeom prst="ellipse">
+            <a:avLst/>
+          </a:prstGeom>
+          <a:solidFill>
+            <a:schemeClr val="accent1"/>
+          </a:solidFill>
+          <a:ln>
+            <a:noFill/>
+          </a:ln>
+        </p:spPr>
+        <p:style>
+          <a:lnRef idx="1">
+            <a:schemeClr val="accent1"/>
+          </a:lnRef>
+          <a:fillRef idx="3">
+            <a:schemeClr val="accent1"/>
+          </a:fillRef>
+          <a:effectRef idx="2">
+            <a:schemeClr val="accent1"/>
+          </a:effectRef>
+          <a:fontRef idx="minor">
+            <a:schemeClr val="lt1"/>
+          </a:fontRef>
+        </p:style>
+        <p:txBody>
+          <a:bodyPr rtlCol="0" anchor="ctr"/>
+          <a:lstStyle/>
+          <a:p>
+            <a:pPr algn="ctr"/>
+            <a:endParaRPr lang="en-US" sz="3200"/>
+          </a:p>
+        </p:txBody>
+      </p:sp>
       <p:cxnSp>
         <p:nvCxnSpPr>
           <p:cNvPr id="85" name="Straight Arrow Connector 84"/>
@@ -3467,54 +3513,6 @@
           <a:solidFill>
             <a:schemeClr val="accent1">
               <a:alpha val="42000"/>
-            </a:schemeClr>
-          </a:solidFill>
-          <a:ln>
-            <a:noFill/>
-          </a:ln>
-        </p:spPr>
-        <p:style>
-          <a:lnRef idx="1">
-            <a:schemeClr val="accent1"/>
-          </a:lnRef>
-          <a:fillRef idx="3">
-            <a:schemeClr val="accent1"/>
-          </a:fillRef>
-          <a:effectRef idx="2">
-            <a:schemeClr val="accent1"/>
-          </a:effectRef>
-          <a:fontRef idx="minor">
-            <a:schemeClr val="lt1"/>
-          </a:fontRef>
-        </p:style>
-        <p:txBody>
-          <a:bodyPr rtlCol="0" anchor="ctr"/>
-          <a:lstStyle/>
-          <a:p>
-            <a:pPr algn="ctr"/>
-            <a:endParaRPr lang="en-US" sz="3200"/>
-          </a:p>
-        </p:txBody>
-      </p:sp>
-      <p:sp>
-        <p:nvSpPr>
-          <p:cNvPr id="98" name="Oval 97"/>
-          <p:cNvSpPr>
-            <a:spLocks noChangeAspect="1"/>
-          </p:cNvSpPr>
-          <p:nvPr/>
-        </p:nvSpPr>
-        <p:spPr>
-          <a:xfrm>
-            <a:off x="8496787" y="1186765"/>
-            <a:ext cx="547910" cy="548640"/>
-          </a:xfrm>
-          <a:prstGeom prst="ellipse">
-            <a:avLst/>
-          </a:prstGeom>
-          <a:solidFill>
-            <a:schemeClr val="accent1">
-              <a:alpha val="63000"/>
             </a:schemeClr>
           </a:solidFill>
           <a:ln>
@@ -3995,7 +3993,7 @@
         </p:nvSpPr>
         <p:spPr>
           <a:xfrm>
-            <a:off x="8549397" y="1155015"/>
+            <a:off x="8549397" y="1123255"/>
             <a:ext cx="1181100" cy="584776"/>
           </a:xfrm>
           <a:prstGeom prst="rect">
@@ -4133,8 +4131,11 @@
             <a:avLst/>
           </a:prstGeom>
           <a:solidFill>
-            <a:srgbClr val="FC028B"/>
+            <a:srgbClr val="632523"/>
           </a:solidFill>
+          <a:ln>
+            <a:noFill/>
+          </a:ln>
         </p:spPr>
         <p:style>
           <a:lnRef idx="1">
